--- a/課題研究/2016/大木崇雅/ポスター/課題研究ポスター.pptx
+++ b/課題研究/2016/大木崇雅/ポスター/課題研究ポスター.pptx
@@ -3838,8 +3838,8 @@
         </p:nvSpPr>
         <p:spPr>
           <a:xfrm>
-            <a:off x="623924" y="270365"/>
-            <a:ext cx="6172200" cy="539552"/>
+            <a:off x="142070" y="69901"/>
+            <a:ext cx="7061031" cy="805445"/>
           </a:xfrm>
         </p:spPr>
         <p:txBody>
@@ -3849,10 +3849,14 @@
           <a:lstStyle/>
           <a:p>
             <a:r>
-              <a:rPr kumimoji="1" lang="ja-JP" altLang="en-US" sz="2800" dirty="0" smtClean="0"/>
-              <a:t>予測できる株価</a:t>
-            </a:r>
-            <a:endParaRPr kumimoji="1" lang="ja-JP" altLang="en-US" sz="2800" dirty="0"/>
+              <a:rPr lang="ja-JP" altLang="en-US" sz="2400" dirty="0"/>
+              <a:t>経常</a:t>
+            </a:r>
+            <a:r>
+              <a:rPr lang="ja-JP" altLang="en-US" sz="2400" dirty="0" smtClean="0"/>
+              <a:t>利益の予測的中度合と株価変動の相関分析</a:t>
+            </a:r>
+            <a:endParaRPr kumimoji="1" lang="ja-JP" altLang="en-US" sz="2400" dirty="0"/>
           </a:p>
         </p:txBody>
       </p:sp>
@@ -3962,7 +3966,7 @@
         </p:nvSpPr>
         <p:spPr>
           <a:xfrm>
-            <a:off x="4501188" y="549816"/>
+            <a:off x="4678220" y="771494"/>
             <a:ext cx="2232248" cy="460242"/>
           </a:xfrm>
           <a:prstGeom prst="rect">
@@ -4635,15 +4639,7 @@
             </a:r>
             <a:r>
               <a:rPr lang="ja-JP" altLang="en-US" sz="1200" dirty="0" smtClean="0"/>
-              <a:t>経常利益に大きく影響している</a:t>
-            </a:r>
-            <a:r>
-              <a:rPr lang="ja-JP" altLang="en-US" sz="1200" dirty="0" smtClean="0"/>
-              <a:t>。経常</a:t>
-            </a:r>
-            <a:r>
-              <a:rPr lang="ja-JP" altLang="en-US" sz="1200" dirty="0" smtClean="0"/>
-              <a:t>利益を予測することで、企業</a:t>
+              <a:t>経常利益に大きく影響している。経常利益を予測することで、企業</a:t>
             </a:r>
             <a:r>
               <a:rPr lang="ja-JP" altLang="en-US" sz="1200" dirty="0"/>
@@ -5072,7 +5068,15 @@
             </a:r>
             <a:r>
               <a:rPr lang="en-US" altLang="ja-JP" sz="1200" dirty="0" smtClean="0"/>
-              <a:t>0.0001~0.00099</a:t>
+              <a:t>0.0001</a:t>
+            </a:r>
+            <a:r>
+              <a:rPr lang="ja-JP" altLang="en-US" sz="1200" dirty="0"/>
+              <a:t>～</a:t>
+            </a:r>
+            <a:r>
+              <a:rPr lang="en-US" altLang="ja-JP" sz="1200" dirty="0" smtClean="0"/>
+              <a:t>0.00099</a:t>
             </a:r>
             <a:r>
               <a:rPr lang="ja-JP" altLang="en-US" sz="1200" dirty="0"/>
@@ -5099,7 +5103,15 @@
             </a:r>
             <a:r>
               <a:rPr lang="en-US" altLang="ja-JP" sz="1200" dirty="0" smtClean="0"/>
-              <a:t>0.001~0.0099</a:t>
+              <a:t>0.001</a:t>
+            </a:r>
+            <a:r>
+              <a:rPr lang="ja-JP" altLang="en-US" sz="1200" dirty="0"/>
+              <a:t>～</a:t>
+            </a:r>
+            <a:r>
+              <a:rPr lang="en-US" altLang="ja-JP" sz="1200" dirty="0" smtClean="0"/>
+              <a:t>0.0099</a:t>
             </a:r>
             <a:r>
               <a:rPr lang="ja-JP" altLang="en-US" sz="1200" dirty="0" smtClean="0"/>
@@ -5130,7 +5142,15 @@
             </a:r>
             <a:r>
               <a:rPr lang="en-US" altLang="ja-JP" sz="1200" dirty="0" smtClean="0"/>
-              <a:t>0.01~0.099</a:t>
+              <a:t>0.01</a:t>
+            </a:r>
+            <a:r>
+              <a:rPr lang="ja-JP" altLang="en-US" sz="1200" dirty="0"/>
+              <a:t>～</a:t>
+            </a:r>
+            <a:r>
+              <a:rPr lang="en-US" altLang="ja-JP" sz="1200" dirty="0" smtClean="0"/>
+              <a:t>0.099</a:t>
             </a:r>
             <a:r>
               <a:rPr lang="ja-JP" altLang="en-US" sz="1200" dirty="0" smtClean="0"/>
@@ -5161,7 +5181,15 @@
             </a:r>
             <a:r>
               <a:rPr lang="en-US" altLang="ja-JP" sz="1200" dirty="0" smtClean="0"/>
-              <a:t>0.1~0.99</a:t>
+              <a:t>0.1</a:t>
+            </a:r>
+            <a:r>
+              <a:rPr lang="ja-JP" altLang="en-US" sz="1200" dirty="0"/>
+              <a:t>～</a:t>
+            </a:r>
+            <a:r>
+              <a:rPr lang="en-US" altLang="ja-JP" sz="1200" dirty="0" smtClean="0"/>
+              <a:t>0.99</a:t>
             </a:r>
             <a:r>
               <a:rPr lang="ja-JP" altLang="en-US" sz="1200" dirty="0" smtClean="0"/>
@@ -5183,11 +5211,19 @@
           <a:p>
             <a:r>
               <a:rPr lang="ja-JP" altLang="en-US" sz="1200" dirty="0" smtClean="0"/>
-              <a:t>平均誤差が</a:t>
+              <a:t>誤差平均が</a:t>
             </a:r>
             <a:r>
               <a:rPr lang="en-US" altLang="ja-JP" sz="1200" dirty="0" smtClean="0"/>
-              <a:t>0.01~0.099</a:t>
+              <a:t>0.01</a:t>
+            </a:r>
+            <a:r>
+              <a:rPr lang="ja-JP" altLang="en-US" sz="1200" dirty="0"/>
+              <a:t>～</a:t>
+            </a:r>
+            <a:r>
+              <a:rPr lang="en-US" altLang="ja-JP" sz="1200" dirty="0" smtClean="0"/>
+              <a:t>0.099</a:t>
             </a:r>
             <a:r>
               <a:rPr lang="ja-JP" altLang="en-US" sz="1200" dirty="0" smtClean="0"/>
@@ -5198,8 +5234,20 @@
               <a:t>2</a:t>
             </a:r>
             <a:r>
+              <a:rPr lang="ja-JP" altLang="en-US" sz="1200" smtClean="0"/>
+              <a:t>社は、経常</a:t>
+            </a:r>
+            <a:r>
               <a:rPr lang="ja-JP" altLang="en-US" sz="1200" dirty="0" smtClean="0"/>
-              <a:t>社は経常利益と株価の動き方が似ている傾向がわかった。</a:t>
+              <a:t>利益と株価の動き方が似て</a:t>
+            </a:r>
+            <a:r>
+              <a:rPr lang="ja-JP" altLang="en-US" sz="1200" smtClean="0"/>
+              <a:t>いる傾向にある</a:t>
+            </a:r>
+            <a:r>
+              <a:rPr lang="ja-JP" altLang="en-US" sz="1200" dirty="0" smtClean="0"/>
+              <a:t>。</a:t>
             </a:r>
             <a:endParaRPr lang="en-US" altLang="ja-JP" sz="1200" dirty="0"/>
           </a:p>
@@ -5245,11 +5293,7 @@
           <a:p>
             <a:r>
               <a:rPr lang="ja-JP" altLang="en-US" sz="1200" dirty="0" smtClean="0"/>
-              <a:t>経常利益と予測データの取得効率が向上する手法を考え、サンプル数を</a:t>
-            </a:r>
-            <a:r>
-              <a:rPr lang="ja-JP" altLang="en-US" sz="1200" dirty="0" smtClean="0"/>
-              <a:t>増やす</a:t>
+              <a:t>経常利益と予測データの取得効率が向上する手法を考え、サンプル数を増やす</a:t>
             </a:r>
             <a:r>
               <a:rPr lang="ja-JP" altLang="en-US" sz="1200" dirty="0"/>
@@ -5491,11 +5535,7 @@
             </a:r>
             <a:r>
               <a:rPr lang="ja-JP" altLang="en-US" sz="1200" dirty="0" smtClean="0"/>
-              <a:t>近かった企業を集計する</a:t>
-            </a:r>
-            <a:r>
-              <a:rPr lang="ja-JP" altLang="en-US" sz="1200" dirty="0" smtClean="0"/>
-              <a:t>。</a:t>
+              <a:t>近かった企業を集計する。</a:t>
             </a:r>
             <a:endParaRPr lang="en-US" altLang="ja-JP" sz="1200" dirty="0"/>
           </a:p>

--- a/課題研究/2016/大木崇雅/ポスター/課題研究ポスター.pptx
+++ b/課題研究/2016/大木崇雅/ポスター/課題研究ポスター.pptx
@@ -4787,7 +4787,7 @@
       </p:pic>
       <p:pic>
         <p:nvPicPr>
-          <p:cNvPr id="59" name="図 58"/>
+          <p:cNvPr id="61" name="図 60"/>
           <p:cNvPicPr>
             <a:picLocks noChangeAspect="1"/>
           </p:cNvPicPr>
@@ -4807,66 +4807,6 @@
         </p:blipFill>
         <p:spPr>
           <a:xfrm>
-            <a:off x="3731540" y="5742799"/>
-            <a:ext cx="1479441" cy="1052488"/>
-          </a:xfrm>
-          <a:prstGeom prst="rect">
-            <a:avLst/>
-          </a:prstGeom>
-        </p:spPr>
-      </p:pic>
-      <p:pic>
-        <p:nvPicPr>
-          <p:cNvPr id="60" name="図 59"/>
-          <p:cNvPicPr>
-            <a:picLocks noChangeAspect="1"/>
-          </p:cNvPicPr>
-          <p:nvPr/>
-        </p:nvPicPr>
-        <p:blipFill>
-          <a:blip r:embed="rId5" cstate="print">
-            <a:extLst>
-              <a:ext uri="{28A0092B-C50C-407E-A947-70E740481C1C}">
-                <a14:useLocalDpi xmlns:a14="http://schemas.microsoft.com/office/drawing/2010/main" val="0"/>
-              </a:ext>
-            </a:extLst>
-          </a:blip>
-          <a:stretch>
-            <a:fillRect/>
-          </a:stretch>
-        </p:blipFill>
-        <p:spPr>
-          <a:xfrm>
-            <a:off x="3731540" y="7026261"/>
-            <a:ext cx="1479442" cy="1019285"/>
-          </a:xfrm>
-          <a:prstGeom prst="rect">
-            <a:avLst/>
-          </a:prstGeom>
-        </p:spPr>
-      </p:pic>
-      <p:pic>
-        <p:nvPicPr>
-          <p:cNvPr id="61" name="図 60"/>
-          <p:cNvPicPr>
-            <a:picLocks noChangeAspect="1"/>
-          </p:cNvPicPr>
-          <p:nvPr/>
-        </p:nvPicPr>
-        <p:blipFill>
-          <a:blip r:embed="rId6" cstate="print">
-            <a:extLst>
-              <a:ext uri="{28A0092B-C50C-407E-A947-70E740481C1C}">
-                <a14:useLocalDpi xmlns:a14="http://schemas.microsoft.com/office/drawing/2010/main" val="0"/>
-              </a:ext>
-            </a:extLst>
-          </a:blip>
-          <a:stretch>
-            <a:fillRect/>
-          </a:stretch>
-        </p:blipFill>
-        <p:spPr>
-          <a:xfrm>
             <a:off x="5231917" y="7032367"/>
             <a:ext cx="1602975" cy="1027072"/>
           </a:xfrm>
@@ -5633,6 +5573,84 @@
           </a:p>
         </p:txBody>
       </p:sp>
+      <p:pic>
+        <p:nvPicPr>
+          <p:cNvPr id="5" name="図 4"/>
+          <p:cNvPicPr>
+            <a:picLocks noChangeAspect="1"/>
+          </p:cNvPicPr>
+          <p:nvPr/>
+        </p:nvPicPr>
+        <p:blipFill>
+          <a:blip r:embed="rId5"/>
+          <a:stretch>
+            <a:fillRect/>
+          </a:stretch>
+        </p:blipFill>
+        <p:spPr>
+          <a:xfrm>
+            <a:off x="3731540" y="5741356"/>
+            <a:ext cx="1353645" cy="1087129"/>
+          </a:xfrm>
+          <a:prstGeom prst="rect">
+            <a:avLst/>
+          </a:prstGeom>
+        </p:spPr>
+      </p:pic>
+      <p:pic>
+        <p:nvPicPr>
+          <p:cNvPr id="7" name="図 6"/>
+          <p:cNvPicPr>
+            <a:picLocks noChangeAspect="1"/>
+          </p:cNvPicPr>
+          <p:nvPr/>
+        </p:nvPicPr>
+        <p:blipFill>
+          <a:blip r:embed="rId6"/>
+          <a:stretch>
+            <a:fillRect/>
+          </a:stretch>
+        </p:blipFill>
+        <p:spPr>
+          <a:xfrm>
+            <a:off x="3731541" y="7032367"/>
+            <a:ext cx="1353644" cy="1048903"/>
+          </a:xfrm>
+          <a:prstGeom prst="rect">
+            <a:avLst/>
+          </a:prstGeom>
+        </p:spPr>
+      </p:pic>
+      <p:pic>
+        <p:nvPicPr>
+          <p:cNvPr id="39" name="図 38"/>
+          <p:cNvPicPr>
+            <a:picLocks noChangeAspect="1"/>
+          </p:cNvPicPr>
+          <p:nvPr/>
+        </p:nvPicPr>
+        <p:blipFill rotWithShape="1">
+          <a:blip r:embed="rId7" cstate="print">
+            <a:biLevel thresh="75000"/>
+            <a:extLst>
+              <a:ext uri="{28A0092B-C50C-407E-A947-70E740481C1C}">
+                <a14:useLocalDpi xmlns:a14="http://schemas.microsoft.com/office/drawing/2010/main" val="0"/>
+              </a:ext>
+            </a:extLst>
+          </a:blip>
+          <a:srcRect t="23334" b="22238"/>
+          <a:stretch/>
+        </p:blipFill>
+        <p:spPr>
+          <a:xfrm>
+            <a:off x="5906113" y="8882390"/>
+            <a:ext cx="843063" cy="170050"/>
+          </a:xfrm>
+          <a:prstGeom prst="rect">
+            <a:avLst/>
+          </a:prstGeom>
+        </p:spPr>
+      </p:pic>
     </p:spTree>
     <p:extLst>
       <p:ext uri="{BB962C8B-B14F-4D97-AF65-F5344CB8AC3E}">
